--- a/input/images-source/sdc-form-operations.pptx
+++ b/input/images-source/sdc-form-operations.pptx
@@ -303,7 +303,7 @@
             <a:fld id="{C69E31BE-431C-4F96-86FE-0099C953F73C}" type="datetimeFigureOut">
               <a:rPr lang="en-US" smtClean="0"/>
               <a:pPr/>
-              <a:t>8/28/2018</a:t>
+              <a:t>11/12/2019</a:t>
             </a:fld>
             <a:endParaRPr lang="en-US"/>
           </a:p>
@@ -473,7 +473,7 @@
             <a:fld id="{C69E31BE-431C-4F96-86FE-0099C953F73C}" type="datetimeFigureOut">
               <a:rPr lang="en-US" smtClean="0"/>
               <a:pPr/>
-              <a:t>8/28/2018</a:t>
+              <a:t>11/12/2019</a:t>
             </a:fld>
             <a:endParaRPr lang="en-US"/>
           </a:p>
@@ -653,7 +653,7 @@
             <a:fld id="{C69E31BE-431C-4F96-86FE-0099C953F73C}" type="datetimeFigureOut">
               <a:rPr lang="en-US" smtClean="0"/>
               <a:pPr/>
-              <a:t>8/28/2018</a:t>
+              <a:t>11/12/2019</a:t>
             </a:fld>
             <a:endParaRPr lang="en-US"/>
           </a:p>
@@ -823,7 +823,7 @@
             <a:fld id="{C69E31BE-431C-4F96-86FE-0099C953F73C}" type="datetimeFigureOut">
               <a:rPr lang="en-US" smtClean="0"/>
               <a:pPr/>
-              <a:t>8/28/2018</a:t>
+              <a:t>11/12/2019</a:t>
             </a:fld>
             <a:endParaRPr lang="en-US"/>
           </a:p>
@@ -1070,7 +1070,7 @@
             <a:fld id="{C69E31BE-431C-4F96-86FE-0099C953F73C}" type="datetimeFigureOut">
               <a:rPr lang="en-US" smtClean="0"/>
               <a:pPr/>
-              <a:t>8/28/2018</a:t>
+              <a:t>11/12/2019</a:t>
             </a:fld>
             <a:endParaRPr lang="en-US"/>
           </a:p>
@@ -1357,7 +1357,7 @@
             <a:fld id="{C69E31BE-431C-4F96-86FE-0099C953F73C}" type="datetimeFigureOut">
               <a:rPr lang="en-US" smtClean="0"/>
               <a:pPr/>
-              <a:t>8/28/2018</a:t>
+              <a:t>11/12/2019</a:t>
             </a:fld>
             <a:endParaRPr lang="en-US"/>
           </a:p>
@@ -1778,7 +1778,7 @@
             <a:fld id="{C69E31BE-431C-4F96-86FE-0099C953F73C}" type="datetimeFigureOut">
               <a:rPr lang="en-US" smtClean="0"/>
               <a:pPr/>
-              <a:t>8/28/2018</a:t>
+              <a:t>11/12/2019</a:t>
             </a:fld>
             <a:endParaRPr lang="en-US"/>
           </a:p>
@@ -1897,7 +1897,7 @@
             <a:fld id="{C69E31BE-431C-4F96-86FE-0099C953F73C}" type="datetimeFigureOut">
               <a:rPr lang="en-US" smtClean="0"/>
               <a:pPr/>
-              <a:t>8/28/2018</a:t>
+              <a:t>11/12/2019</a:t>
             </a:fld>
             <a:endParaRPr lang="en-US"/>
           </a:p>
@@ -1994,7 +1994,7 @@
             <a:fld id="{C69E31BE-431C-4F96-86FE-0099C953F73C}" type="datetimeFigureOut">
               <a:rPr lang="en-US" smtClean="0"/>
               <a:pPr/>
-              <a:t>8/28/2018</a:t>
+              <a:t>11/12/2019</a:t>
             </a:fld>
             <a:endParaRPr lang="en-US"/>
           </a:p>
@@ -2271,7 +2271,7 @@
             <a:fld id="{C69E31BE-431C-4F96-86FE-0099C953F73C}" type="datetimeFigureOut">
               <a:rPr lang="en-US" smtClean="0"/>
               <a:pPr/>
-              <a:t>8/28/2018</a:t>
+              <a:t>11/12/2019</a:t>
             </a:fld>
             <a:endParaRPr lang="en-US"/>
           </a:p>
@@ -2525,7 +2525,7 @@
             <a:fld id="{C69E31BE-431C-4F96-86FE-0099C953F73C}" type="datetimeFigureOut">
               <a:rPr lang="en-US" smtClean="0"/>
               <a:pPr/>
-              <a:t>8/28/2018</a:t>
+              <a:t>11/12/2019</a:t>
             </a:fld>
             <a:endParaRPr lang="en-US"/>
           </a:p>
@@ -2738,7 +2738,7 @@
             <a:fld id="{C69E31BE-431C-4F96-86FE-0099C953F73C}" type="datetimeFigureOut">
               <a:rPr lang="en-US" smtClean="0"/>
               <a:pPr/>
-              <a:t>8/28/2018</a:t>
+              <a:t>11/12/2019</a:t>
             </a:fld>
             <a:endParaRPr lang="en-US"/>
           </a:p>
@@ -3570,7 +3570,7 @@
         </p:nvSpPr>
         <p:spPr>
           <a:xfrm>
-            <a:off x="882523" y="1311233"/>
+            <a:off x="872334" y="1391445"/>
             <a:ext cx="1086027" cy="628496"/>
           </a:xfrm>
           <a:prstGeom prst="rect">
@@ -3610,7 +3610,20 @@
                 <a:latin typeface="Arial" pitchFamily="34" charset="0"/>
                 <a:cs typeface="Arial" pitchFamily="34" charset="0"/>
               </a:rPr>
-              <a:t>Query, Create, Update, Extract</a:t>
+              <a:t>Query, Create, Update, </a:t>
+            </a:r>
+          </a:p>
+          <a:p>
+            <a:pPr algn="ctr"/>
+            <a:r>
+              <a:rPr lang="en-CA" sz="1050" dirty="0">
+                <a:solidFill>
+                  <a:schemeClr val="tx1"/>
+                </a:solidFill>
+                <a:latin typeface="Arial" pitchFamily="34" charset="0"/>
+                <a:cs typeface="Arial" pitchFamily="34" charset="0"/>
+              </a:rPr>
+              <a:t>Extract from</a:t>
             </a:r>
             <a:br>
               <a:rPr lang="en-CA" sz="1050" dirty="0">
@@ -3622,7 +3635,7 @@
               </a:rPr>
             </a:br>
             <a:r>
-              <a:rPr lang="en-CA" sz="1050" b="1" dirty="0" err="1">
+              <a:rPr lang="en-CA" sz="1050" b="1" dirty="0">
                 <a:solidFill>
                   <a:schemeClr val="tx1"/>
                 </a:solidFill>
@@ -3631,13 +3644,6 @@
               </a:rPr>
               <a:t>QuestionnaireResponse</a:t>
             </a:r>
-            <a:endParaRPr lang="en-CA" sz="1050" b="1" dirty="0">
-              <a:solidFill>
-                <a:schemeClr val="tx1"/>
-              </a:solidFill>
-              <a:latin typeface="Arial" pitchFamily="34" charset="0"/>
-              <a:cs typeface="Arial" pitchFamily="34" charset="0"/>
-            </a:endParaRPr>
           </a:p>
         </p:txBody>
       </p:sp>
@@ -4052,7 +4058,7 @@
                 <a:latin typeface="Arial" pitchFamily="34" charset="0"/>
                 <a:cs typeface="Arial" pitchFamily="34" charset="0"/>
               </a:rPr>
-              <a:t>Extract</a:t>
+              <a:t>Extract from</a:t>
             </a:r>
             <a:br>
               <a:rPr lang="en-CA" sz="1050" dirty="0">
@@ -4064,7 +4070,7 @@
               </a:rPr>
             </a:br>
             <a:r>
-              <a:rPr lang="en-CA" sz="1050" b="1" dirty="0" err="1">
+              <a:rPr lang="en-CA" sz="1050" b="1" dirty="0">
                 <a:solidFill>
                   <a:schemeClr val="tx1"/>
                 </a:solidFill>
@@ -4073,13 +4079,6 @@
               </a:rPr>
               <a:t>QuestionnaireResponse</a:t>
             </a:r>
-            <a:endParaRPr lang="en-CA" sz="1050" b="1" dirty="0">
-              <a:solidFill>
-                <a:schemeClr val="tx1"/>
-              </a:solidFill>
-              <a:latin typeface="Arial" pitchFamily="34" charset="0"/>
-              <a:cs typeface="Arial" pitchFamily="34" charset="0"/>
-            </a:endParaRPr>
           </a:p>
         </p:txBody>
       </p:sp>
@@ -4377,6 +4376,21 @@
 </file>
 
 <file path=customXml/item1.xml><?xml version="1.0" encoding="utf-8"?>
+<?mso-contentType ?>
+<FormTemplates xmlns="http://schemas.microsoft.com/sharepoint/v3/contenttype/forms">
+  <Display>DocumentLibraryForm</Display>
+  <Edit>DocumentLibraryForm</Edit>
+  <New>DocumentLibraryForm</New>
+</FormTemplates>
+</file>
+
+<file path=customXml/item2.xml><?xml version="1.0" encoding="utf-8"?>
+<p:properties xmlns:p="http://schemas.microsoft.com/office/2006/metadata/properties" xmlns:xsi="http://www.w3.org/2001/XMLSchema-instance">
+  <documentManagement/>
+</p:properties>
+</file>
+
+<file path=customXml/item3.xml><?xml version="1.0" encoding="utf-8"?>
 <ct:contentTypeSchema xmlns:ct="http://schemas.microsoft.com/office/2006/metadata/contentType" xmlns:ma="http://schemas.microsoft.com/office/2006/metadata/properties/metaAttributes" ct:_="" ma:_="" ma:contentTypeName="Document" ma:contentTypeID="0x010100D3F5E47D23D84240B5F10B8B4F54293E" ma:contentTypeVersion="0" ma:contentTypeDescription="Create a new document." ma:contentTypeScope="" ma:versionID="0ea3c98e082845983187a016ca212b05">
   <xsd:schema xmlns:xsd="http://www.w3.org/2001/XMLSchema" xmlns:p="http://schemas.microsoft.com/office/2006/metadata/properties" targetNamespace="http://schemas.microsoft.com/office/2006/metadata/properties" ma:root="true" ma:fieldsID="4aeb20c0e3442673af7ee10786458764">
     <xsd:element name="properties">
@@ -4425,32 +4439,10 @@
 </ct:contentTypeSchema>
 </file>
 
-<file path=customXml/item2.xml><?xml version="1.0" encoding="utf-8"?>
-<p:properties xmlns:p="http://schemas.microsoft.com/office/2006/metadata/properties" xmlns:xsi="http://www.w3.org/2001/XMLSchema-instance">
-  <documentManagement/>
-</p:properties>
-</file>
-
-<file path=customXml/item3.xml><?xml version="1.0" encoding="utf-8"?>
-<?mso-contentType ?>
-<FormTemplates xmlns="http://schemas.microsoft.com/sharepoint/v3/contenttype/forms">
-  <Display>DocumentLibraryForm</Display>
-  <Edit>DocumentLibraryForm</Edit>
-  <New>DocumentLibraryForm</New>
-</FormTemplates>
-</file>
-
 <file path=customXml/itemProps1.xml><?xml version="1.0" encoding="utf-8"?>
-<ds:datastoreItem xmlns:ds="http://schemas.openxmlformats.org/officeDocument/2006/customXml" ds:itemID="{969BE3E0-39C5-46BC-ADE4-928A3D4AA066}">
+<ds:datastoreItem xmlns:ds="http://schemas.openxmlformats.org/officeDocument/2006/customXml" ds:itemID="{93867DCD-913B-4BE7-B218-6A941DDB47CC}">
   <ds:schemaRefs>
-    <ds:schemaRef ds:uri="http://schemas.microsoft.com/office/2006/metadata/contentType"/>
-    <ds:schemaRef ds:uri="http://schemas.microsoft.com/office/2006/metadata/properties/metaAttributes"/>
-    <ds:schemaRef ds:uri="http://www.w3.org/2001/XMLSchema"/>
-    <ds:schemaRef ds:uri="http://schemas.microsoft.com/office/2006/metadata/properties"/>
-    <ds:schemaRef ds:uri="http://schemas.openxmlformats.org/package/2006/metadata/core-properties"/>
-    <ds:schemaRef ds:uri="http://purl.org/dc/elements/1.1/"/>
-    <ds:schemaRef ds:uri="http://purl.org/dc/terms/"/>
-    <ds:schemaRef ds:uri="http://schemas.microsoft.com/office/internal/2005/internalDocumentation"/>
+    <ds:schemaRef ds:uri="http://schemas.microsoft.com/sharepoint/v3/contenttype/forms"/>
   </ds:schemaRefs>
 </ds:datastoreItem>
 </file>
@@ -4470,9 +4462,16 @@
 </file>
 
 <file path=customXml/itemProps3.xml><?xml version="1.0" encoding="utf-8"?>
-<ds:datastoreItem xmlns:ds="http://schemas.openxmlformats.org/officeDocument/2006/customXml" ds:itemID="{93867DCD-913B-4BE7-B218-6A941DDB47CC}">
+<ds:datastoreItem xmlns:ds="http://schemas.openxmlformats.org/officeDocument/2006/customXml" ds:itemID="{969BE3E0-39C5-46BC-ADE4-928A3D4AA066}">
   <ds:schemaRefs>
-    <ds:schemaRef ds:uri="http://schemas.microsoft.com/sharepoint/v3/contenttype/forms"/>
+    <ds:schemaRef ds:uri="http://schemas.microsoft.com/office/2006/metadata/contentType"/>
+    <ds:schemaRef ds:uri="http://schemas.microsoft.com/office/2006/metadata/properties/metaAttributes"/>
+    <ds:schemaRef ds:uri="http://www.w3.org/2001/XMLSchema"/>
+    <ds:schemaRef ds:uri="http://schemas.microsoft.com/office/2006/metadata/properties"/>
+    <ds:schemaRef ds:uri="http://schemas.openxmlformats.org/package/2006/metadata/core-properties"/>
+    <ds:schemaRef ds:uri="http://purl.org/dc/elements/1.1/"/>
+    <ds:schemaRef ds:uri="http://purl.org/dc/terms/"/>
+    <ds:schemaRef ds:uri="http://schemas.microsoft.com/office/internal/2005/internalDocumentation"/>
   </ds:schemaRefs>
 </ds:datastoreItem>
 </file>
--- a/input/images-source/sdc-form-operations.pptx
+++ b/input/images-source/sdc-form-operations.pptx
@@ -303,7 +303,7 @@
             <a:fld id="{C69E31BE-431C-4F96-86FE-0099C953F73C}" type="datetimeFigureOut">
               <a:rPr lang="en-US" smtClean="0"/>
               <a:pPr/>
-              <a:t>11/12/2019</a:t>
+              <a:t>6/24/2025</a:t>
             </a:fld>
             <a:endParaRPr lang="en-US"/>
           </a:p>
@@ -473,7 +473,7 @@
             <a:fld id="{C69E31BE-431C-4F96-86FE-0099C953F73C}" type="datetimeFigureOut">
               <a:rPr lang="en-US" smtClean="0"/>
               <a:pPr/>
-              <a:t>11/12/2019</a:t>
+              <a:t>6/24/2025</a:t>
             </a:fld>
             <a:endParaRPr lang="en-US"/>
           </a:p>
@@ -653,7 +653,7 @@
             <a:fld id="{C69E31BE-431C-4F96-86FE-0099C953F73C}" type="datetimeFigureOut">
               <a:rPr lang="en-US" smtClean="0"/>
               <a:pPr/>
-              <a:t>11/12/2019</a:t>
+              <a:t>6/24/2025</a:t>
             </a:fld>
             <a:endParaRPr lang="en-US"/>
           </a:p>
@@ -823,7 +823,7 @@
             <a:fld id="{C69E31BE-431C-4F96-86FE-0099C953F73C}" type="datetimeFigureOut">
               <a:rPr lang="en-US" smtClean="0"/>
               <a:pPr/>
-              <a:t>11/12/2019</a:t>
+              <a:t>6/24/2025</a:t>
             </a:fld>
             <a:endParaRPr lang="en-US"/>
           </a:p>
@@ -1070,7 +1070,7 @@
             <a:fld id="{C69E31BE-431C-4F96-86FE-0099C953F73C}" type="datetimeFigureOut">
               <a:rPr lang="en-US" smtClean="0"/>
               <a:pPr/>
-              <a:t>11/12/2019</a:t>
+              <a:t>6/24/2025</a:t>
             </a:fld>
             <a:endParaRPr lang="en-US"/>
           </a:p>
@@ -1357,7 +1357,7 @@
             <a:fld id="{C69E31BE-431C-4F96-86FE-0099C953F73C}" type="datetimeFigureOut">
               <a:rPr lang="en-US" smtClean="0"/>
               <a:pPr/>
-              <a:t>11/12/2019</a:t>
+              <a:t>6/24/2025</a:t>
             </a:fld>
             <a:endParaRPr lang="en-US"/>
           </a:p>
@@ -1778,7 +1778,7 @@
             <a:fld id="{C69E31BE-431C-4F96-86FE-0099C953F73C}" type="datetimeFigureOut">
               <a:rPr lang="en-US" smtClean="0"/>
               <a:pPr/>
-              <a:t>11/12/2019</a:t>
+              <a:t>6/24/2025</a:t>
             </a:fld>
             <a:endParaRPr lang="en-US"/>
           </a:p>
@@ -1897,7 +1897,7 @@
             <a:fld id="{C69E31BE-431C-4F96-86FE-0099C953F73C}" type="datetimeFigureOut">
               <a:rPr lang="en-US" smtClean="0"/>
               <a:pPr/>
-              <a:t>11/12/2019</a:t>
+              <a:t>6/24/2025</a:t>
             </a:fld>
             <a:endParaRPr lang="en-US"/>
           </a:p>
@@ -1994,7 +1994,7 @@
             <a:fld id="{C69E31BE-431C-4F96-86FE-0099C953F73C}" type="datetimeFigureOut">
               <a:rPr lang="en-US" smtClean="0"/>
               <a:pPr/>
-              <a:t>11/12/2019</a:t>
+              <a:t>6/24/2025</a:t>
             </a:fld>
             <a:endParaRPr lang="en-US"/>
           </a:p>
@@ -2271,7 +2271,7 @@
             <a:fld id="{C69E31BE-431C-4F96-86FE-0099C953F73C}" type="datetimeFigureOut">
               <a:rPr lang="en-US" smtClean="0"/>
               <a:pPr/>
-              <a:t>11/12/2019</a:t>
+              <a:t>6/24/2025</a:t>
             </a:fld>
             <a:endParaRPr lang="en-US"/>
           </a:p>
@@ -2525,7 +2525,7 @@
             <a:fld id="{C69E31BE-431C-4F96-86FE-0099C953F73C}" type="datetimeFigureOut">
               <a:rPr lang="en-US" smtClean="0"/>
               <a:pPr/>
-              <a:t>11/12/2019</a:t>
+              <a:t>6/24/2025</a:t>
             </a:fld>
             <a:endParaRPr lang="en-US"/>
           </a:p>
@@ -2738,7 +2738,7 @@
             <a:fld id="{C69E31BE-431C-4F96-86FE-0099C953F73C}" type="datetimeFigureOut">
               <a:rPr lang="en-US" smtClean="0"/>
               <a:pPr/>
-              <a:t>11/12/2019</a:t>
+              <a:t>6/24/2025</a:t>
             </a:fld>
             <a:endParaRPr lang="en-US"/>
           </a:p>
@@ -4059,6 +4059,168 @@
                 <a:cs typeface="Arial" pitchFamily="34" charset="0"/>
               </a:rPr>
               <a:t>Extract from</a:t>
+            </a:r>
+            <a:br>
+              <a:rPr lang="en-CA" sz="1050" dirty="0">
+                <a:solidFill>
+                  <a:schemeClr val="tx1"/>
+                </a:solidFill>
+                <a:latin typeface="Arial" pitchFamily="34" charset="0"/>
+                <a:cs typeface="Arial" pitchFamily="34" charset="0"/>
+              </a:rPr>
+            </a:br>
+            <a:r>
+              <a:rPr lang="en-CA" sz="1050" b="1" dirty="0">
+                <a:solidFill>
+                  <a:schemeClr val="tx1"/>
+                </a:solidFill>
+                <a:latin typeface="Arial" pitchFamily="34" charset="0"/>
+                <a:cs typeface="Arial" pitchFamily="34" charset="0"/>
+              </a:rPr>
+              <a:t>QuestionnaireResponse</a:t>
+            </a:r>
+          </a:p>
+        </p:txBody>
+      </p:sp>
+      <p:cxnSp>
+        <p:nvCxnSpPr>
+          <p:cNvPr id="2" name="Connector: Elbow 1">
+            <a:extLst>
+              <a:ext uri="{FF2B5EF4-FFF2-40B4-BE49-F238E27FC236}">
+                <a16:creationId xmlns:a16="http://schemas.microsoft.com/office/drawing/2014/main" id="{563B6730-A743-4013-BED4-1D67D5C83F2F}"/>
+              </a:ext>
+            </a:extLst>
+          </p:cNvPr>
+          <p:cNvCxnSpPr>
+            <a:cxnSpLocks/>
+          </p:cNvCxnSpPr>
+          <p:nvPr/>
+        </p:nvCxnSpPr>
+        <p:spPr>
+          <a:xfrm rot="16200000" flipV="1">
+            <a:off x="2742668" y="506586"/>
+            <a:ext cx="685128" cy="389022"/>
+          </a:xfrm>
+          <a:prstGeom prst="bentConnector2">
+            <a:avLst/>
+          </a:prstGeom>
+          <a:ln w="19050">
+            <a:headEnd type="none" w="med" len="med"/>
+            <a:tailEnd type="arrow" w="med" len="med"/>
+          </a:ln>
+        </p:spPr>
+        <p:style>
+          <a:lnRef idx="1">
+            <a:schemeClr val="accent1"/>
+          </a:lnRef>
+          <a:fillRef idx="0">
+            <a:schemeClr val="accent1"/>
+          </a:fillRef>
+          <a:effectRef idx="0">
+            <a:schemeClr val="accent1"/>
+          </a:effectRef>
+          <a:fontRef idx="minor">
+            <a:schemeClr val="tx1"/>
+          </a:fontRef>
+        </p:style>
+      </p:cxnSp>
+      <p:cxnSp>
+        <p:nvCxnSpPr>
+          <p:cNvPr id="3" name="Straight Arrow Connector 2">
+            <a:extLst>
+              <a:ext uri="{FF2B5EF4-FFF2-40B4-BE49-F238E27FC236}">
+                <a16:creationId xmlns:a16="http://schemas.microsoft.com/office/drawing/2014/main" id="{BAFE4C56-8702-D7EF-5BFA-5C6D8A942D7D}"/>
+              </a:ext>
+            </a:extLst>
+          </p:cNvPr>
+          <p:cNvCxnSpPr>
+            <a:cxnSpLocks/>
+          </p:cNvCxnSpPr>
+          <p:nvPr/>
+        </p:nvCxnSpPr>
+        <p:spPr>
+          <a:xfrm>
+            <a:off x="2885694" y="1043661"/>
+            <a:ext cx="389022" cy="0"/>
+          </a:xfrm>
+          <a:prstGeom prst="straightConnector1">
+            <a:avLst/>
+          </a:prstGeom>
+          <a:ln w="19050">
+            <a:headEnd type="none" w="med" len="med"/>
+            <a:tailEnd type="none" w="med" len="med"/>
+          </a:ln>
+        </p:spPr>
+        <p:style>
+          <a:lnRef idx="1">
+            <a:schemeClr val="accent1"/>
+          </a:lnRef>
+          <a:fillRef idx="0">
+            <a:schemeClr val="accent1"/>
+          </a:fillRef>
+          <a:effectRef idx="0">
+            <a:schemeClr val="accent1"/>
+          </a:effectRef>
+          <a:fontRef idx="minor">
+            <a:schemeClr val="tx1"/>
+          </a:fontRef>
+        </p:style>
+      </p:cxnSp>
+      <p:sp>
+        <p:nvSpPr>
+          <p:cNvPr id="5" name="Rectangle 4">
+            <a:extLst>
+              <a:ext uri="{FF2B5EF4-FFF2-40B4-BE49-F238E27FC236}">
+                <a16:creationId xmlns:a16="http://schemas.microsoft.com/office/drawing/2014/main" id="{A5DBAFF9-3B4F-D1FE-E1EC-DB4636BFAC67}"/>
+              </a:ext>
+            </a:extLst>
+          </p:cNvPr>
+          <p:cNvSpPr/>
+          <p:nvPr/>
+        </p:nvSpPr>
+        <p:spPr>
+          <a:xfrm>
+            <a:off x="3232546" y="349703"/>
+            <a:ext cx="1066800" cy="685115"/>
+          </a:xfrm>
+          <a:prstGeom prst="rect">
+            <a:avLst/>
+          </a:prstGeom>
+          <a:noFill/>
+          <a:ln>
+            <a:noFill/>
+          </a:ln>
+        </p:spPr>
+        <p:style>
+          <a:lnRef idx="2">
+            <a:schemeClr val="accent1">
+              <a:shade val="50000"/>
+            </a:schemeClr>
+          </a:lnRef>
+          <a:fillRef idx="1">
+            <a:schemeClr val="accent1"/>
+          </a:fillRef>
+          <a:effectRef idx="0">
+            <a:schemeClr val="accent1"/>
+          </a:effectRef>
+          <a:fontRef idx="minor">
+            <a:schemeClr val="lt1"/>
+          </a:fontRef>
+        </p:style>
+        <p:txBody>
+          <a:bodyPr lIns="68575" tIns="34288" rIns="68575" bIns="34288" rtlCol="0" anchor="ctr"/>
+          <a:lstStyle/>
+          <a:p>
+            <a:pPr algn="ctr"/>
+            <a:r>
+              <a:rPr lang="en-CA" sz="1050" dirty="0">
+                <a:solidFill>
+                  <a:schemeClr val="tx1"/>
+                </a:solidFill>
+                <a:latin typeface="Arial" pitchFamily="34" charset="0"/>
+                <a:cs typeface="Arial" pitchFamily="34" charset="0"/>
+              </a:rPr>
+              <a:t>Assemble</a:t>
             </a:r>
             <a:br>
               <a:rPr lang="en-CA" sz="1050" dirty="0">
@@ -4376,21 +4538,6 @@
 </file>
 
 <file path=customXml/item1.xml><?xml version="1.0" encoding="utf-8"?>
-<?mso-contentType ?>
-<FormTemplates xmlns="http://schemas.microsoft.com/sharepoint/v3/contenttype/forms">
-  <Display>DocumentLibraryForm</Display>
-  <Edit>DocumentLibraryForm</Edit>
-  <New>DocumentLibraryForm</New>
-</FormTemplates>
-</file>
-
-<file path=customXml/item2.xml><?xml version="1.0" encoding="utf-8"?>
-<p:properties xmlns:p="http://schemas.microsoft.com/office/2006/metadata/properties" xmlns:xsi="http://www.w3.org/2001/XMLSchema-instance">
-  <documentManagement/>
-</p:properties>
-</file>
-
-<file path=customXml/item3.xml><?xml version="1.0" encoding="utf-8"?>
 <ct:contentTypeSchema xmlns:ct="http://schemas.microsoft.com/office/2006/metadata/contentType" xmlns:ma="http://schemas.microsoft.com/office/2006/metadata/properties/metaAttributes" ct:_="" ma:_="" ma:contentTypeName="Document" ma:contentTypeID="0x010100D3F5E47D23D84240B5F10B8B4F54293E" ma:contentTypeVersion="0" ma:contentTypeDescription="Create a new document." ma:contentTypeScope="" ma:versionID="0ea3c98e082845983187a016ca212b05">
   <xsd:schema xmlns:xsd="http://www.w3.org/2001/XMLSchema" xmlns:p="http://schemas.microsoft.com/office/2006/metadata/properties" targetNamespace="http://schemas.microsoft.com/office/2006/metadata/properties" ma:root="true" ma:fieldsID="4aeb20c0e3442673af7ee10786458764">
     <xsd:element name="properties">
@@ -4439,10 +4586,32 @@
 </ct:contentTypeSchema>
 </file>
 
+<file path=customXml/item2.xml><?xml version="1.0" encoding="utf-8"?>
+<p:properties xmlns:p="http://schemas.microsoft.com/office/2006/metadata/properties" xmlns:xsi="http://www.w3.org/2001/XMLSchema-instance">
+  <documentManagement/>
+</p:properties>
+</file>
+
+<file path=customXml/item3.xml><?xml version="1.0" encoding="utf-8"?>
+<?mso-contentType ?>
+<FormTemplates xmlns="http://schemas.microsoft.com/sharepoint/v3/contenttype/forms">
+  <Display>DocumentLibraryForm</Display>
+  <Edit>DocumentLibraryForm</Edit>
+  <New>DocumentLibraryForm</New>
+</FormTemplates>
+</file>
+
 <file path=customXml/itemProps1.xml><?xml version="1.0" encoding="utf-8"?>
-<ds:datastoreItem xmlns:ds="http://schemas.openxmlformats.org/officeDocument/2006/customXml" ds:itemID="{93867DCD-913B-4BE7-B218-6A941DDB47CC}">
+<ds:datastoreItem xmlns:ds="http://schemas.openxmlformats.org/officeDocument/2006/customXml" ds:itemID="{969BE3E0-39C5-46BC-ADE4-928A3D4AA066}">
   <ds:schemaRefs>
-    <ds:schemaRef ds:uri="http://schemas.microsoft.com/sharepoint/v3/contenttype/forms"/>
+    <ds:schemaRef ds:uri="http://schemas.microsoft.com/office/2006/metadata/contentType"/>
+    <ds:schemaRef ds:uri="http://schemas.microsoft.com/office/2006/metadata/properties/metaAttributes"/>
+    <ds:schemaRef ds:uri="http://www.w3.org/2001/XMLSchema"/>
+    <ds:schemaRef ds:uri="http://schemas.microsoft.com/office/2006/metadata/properties"/>
+    <ds:schemaRef ds:uri="http://schemas.openxmlformats.org/package/2006/metadata/core-properties"/>
+    <ds:schemaRef ds:uri="http://purl.org/dc/elements/1.1/"/>
+    <ds:schemaRef ds:uri="http://purl.org/dc/terms/"/>
+    <ds:schemaRef ds:uri="http://schemas.microsoft.com/office/internal/2005/internalDocumentation"/>
   </ds:schemaRefs>
 </ds:datastoreItem>
 </file>
@@ -4462,16 +4631,9 @@
 </file>
 
 <file path=customXml/itemProps3.xml><?xml version="1.0" encoding="utf-8"?>
-<ds:datastoreItem xmlns:ds="http://schemas.openxmlformats.org/officeDocument/2006/customXml" ds:itemID="{969BE3E0-39C5-46BC-ADE4-928A3D4AA066}">
+<ds:datastoreItem xmlns:ds="http://schemas.openxmlformats.org/officeDocument/2006/customXml" ds:itemID="{93867DCD-913B-4BE7-B218-6A941DDB47CC}">
   <ds:schemaRefs>
-    <ds:schemaRef ds:uri="http://schemas.microsoft.com/office/2006/metadata/contentType"/>
-    <ds:schemaRef ds:uri="http://schemas.microsoft.com/office/2006/metadata/properties/metaAttributes"/>
-    <ds:schemaRef ds:uri="http://www.w3.org/2001/XMLSchema"/>
-    <ds:schemaRef ds:uri="http://schemas.microsoft.com/office/2006/metadata/properties"/>
-    <ds:schemaRef ds:uri="http://schemas.openxmlformats.org/package/2006/metadata/core-properties"/>
-    <ds:schemaRef ds:uri="http://purl.org/dc/elements/1.1/"/>
-    <ds:schemaRef ds:uri="http://purl.org/dc/terms/"/>
-    <ds:schemaRef ds:uri="http://schemas.microsoft.com/office/internal/2005/internalDocumentation"/>
+    <ds:schemaRef ds:uri="http://schemas.microsoft.com/sharepoint/v3/contenttype/forms"/>
   </ds:schemaRefs>
 </ds:datastoreItem>
 </file>
--- a/input/images-source/sdc-form-operations.pptx
+++ b/input/images-source/sdc-form-operations.pptx
@@ -7,7 +7,7 @@
   <p:sldIdLst>
     <p:sldId id="259" r:id="rId5"/>
   </p:sldIdLst>
-  <p:sldSz cx="4319588" cy="3240088"/>
+  <p:sldSz cx="6840538" cy="3240088"/>
   <p:notesSz cx="6858000" cy="9144000"/>
   <p:defaultTextStyle>
     <a:defPPr>
@@ -112,7 +112,7 @@
             <a:srgbClr val="A4A3A4"/>
           </p15:clr>
         </p15:guide>
-        <p15:guide id="2" pos="1361" userDrawn="1">
+        <p15:guide id="2" pos="2155" userDrawn="1">
           <p15:clr>
             <a:srgbClr val="A4A3A4"/>
           </p15:clr>
@@ -152,8 +152,8 @@
         </p:nvSpPr>
         <p:spPr>
           <a:xfrm>
-            <a:off x="323972" y="1006532"/>
-            <a:ext cx="3671650" cy="694519"/>
+            <a:off x="513046" y="1006536"/>
+            <a:ext cx="5814457" cy="694519"/>
           </a:xfrm>
         </p:spPr>
         <p:txBody>
@@ -179,8 +179,8 @@
         </p:nvSpPr>
         <p:spPr>
           <a:xfrm>
-            <a:off x="647942" y="1836053"/>
-            <a:ext cx="3023712" cy="828024"/>
+            <a:off x="1026086" y="1836053"/>
+            <a:ext cx="4788378" cy="828024"/>
           </a:xfrm>
         </p:spPr>
         <p:txBody>
@@ -196,7 +196,7 @@
                 </a:solidFill>
               </a:defRPr>
             </a:lvl1pPr>
-            <a:lvl2pPr marL="299729" indent="0" algn="ctr">
+            <a:lvl2pPr marL="299722" indent="0" algn="ctr">
               <a:buNone/>
               <a:defRPr>
                 <a:solidFill>
@@ -206,7 +206,7 @@
                 </a:solidFill>
               </a:defRPr>
             </a:lvl2pPr>
-            <a:lvl3pPr marL="599457" indent="0" algn="ctr">
+            <a:lvl3pPr marL="599444" indent="0" algn="ctr">
               <a:buNone/>
               <a:defRPr>
                 <a:solidFill>
@@ -216,7 +216,7 @@
                 </a:solidFill>
               </a:defRPr>
             </a:lvl3pPr>
-            <a:lvl4pPr marL="899184" indent="0" algn="ctr">
+            <a:lvl4pPr marL="899164" indent="0" algn="ctr">
               <a:buNone/>
               <a:defRPr>
                 <a:solidFill>
@@ -226,7 +226,7 @@
                 </a:solidFill>
               </a:defRPr>
             </a:lvl4pPr>
-            <a:lvl5pPr marL="1198911" indent="0" algn="ctr">
+            <a:lvl5pPr marL="1198884" indent="0" algn="ctr">
               <a:buNone/>
               <a:defRPr>
                 <a:solidFill>
@@ -236,7 +236,7 @@
                 </a:solidFill>
               </a:defRPr>
             </a:lvl5pPr>
-            <a:lvl6pPr marL="1498640" indent="0" algn="ctr">
+            <a:lvl6pPr marL="1498606" indent="0" algn="ctr">
               <a:buNone/>
               <a:defRPr>
                 <a:solidFill>
@@ -246,7 +246,7 @@
                 </a:solidFill>
               </a:defRPr>
             </a:lvl6pPr>
-            <a:lvl7pPr marL="1798368" indent="0" algn="ctr">
+            <a:lvl7pPr marL="1798328" indent="0" algn="ctr">
               <a:buNone/>
               <a:defRPr>
                 <a:solidFill>
@@ -256,7 +256,7 @@
                 </a:solidFill>
               </a:defRPr>
             </a:lvl7pPr>
-            <a:lvl8pPr marL="2098097" indent="0" algn="ctr">
+            <a:lvl8pPr marL="2098050" indent="0" algn="ctr">
               <a:buNone/>
               <a:defRPr>
                 <a:solidFill>
@@ -266,7 +266,7 @@
                 </a:solidFill>
               </a:defRPr>
             </a:lvl8pPr>
-            <a:lvl9pPr marL="2397822" indent="0" algn="ctr">
+            <a:lvl9pPr marL="2397768" indent="0" algn="ctr">
               <a:buNone/>
               <a:defRPr>
                 <a:solidFill>
@@ -303,7 +303,7 @@
             <a:fld id="{C69E31BE-431C-4F96-86FE-0099C953F73C}" type="datetimeFigureOut">
               <a:rPr lang="en-US" smtClean="0"/>
               <a:pPr/>
-              <a:t>6/24/2025</a:t>
+              <a:t>8/13/2025</a:t>
             </a:fld>
             <a:endParaRPr lang="en-US"/>
           </a:p>
@@ -473,7 +473,7 @@
             <a:fld id="{C69E31BE-431C-4F96-86FE-0099C953F73C}" type="datetimeFigureOut">
               <a:rPr lang="en-US" smtClean="0"/>
               <a:pPr/>
-              <a:t>6/24/2025</a:t>
+              <a:t>8/13/2025</a:t>
             </a:fld>
             <a:endParaRPr lang="en-US"/>
           </a:p>
@@ -564,8 +564,8 @@
         </p:nvSpPr>
         <p:spPr>
           <a:xfrm>
-            <a:off x="2348782" y="242260"/>
-            <a:ext cx="728932" cy="5160141"/>
+            <a:off x="3719554" y="242264"/>
+            <a:ext cx="1154344" cy="5160141"/>
           </a:xfrm>
         </p:spPr>
         <p:txBody>
@@ -591,8 +591,8 @@
         </p:nvSpPr>
         <p:spPr>
           <a:xfrm>
-            <a:off x="161991" y="242260"/>
-            <a:ext cx="2114798" cy="5160141"/>
+            <a:off x="256530" y="242264"/>
+            <a:ext cx="3349013" cy="5160141"/>
           </a:xfrm>
         </p:spPr>
         <p:txBody>
@@ -653,7 +653,7 @@
             <a:fld id="{C69E31BE-431C-4F96-86FE-0099C953F73C}" type="datetimeFigureOut">
               <a:rPr lang="en-US" smtClean="0"/>
               <a:pPr/>
-              <a:t>6/24/2025</a:t>
+              <a:t>8/13/2025</a:t>
             </a:fld>
             <a:endParaRPr lang="en-US"/>
           </a:p>
@@ -823,7 +823,7 @@
             <a:fld id="{C69E31BE-431C-4F96-86FE-0099C953F73C}" type="datetimeFigureOut">
               <a:rPr lang="en-US" smtClean="0"/>
               <a:pPr/>
-              <a:t>6/24/2025</a:t>
+              <a:t>8/13/2025</a:t>
             </a:fld>
             <a:endParaRPr lang="en-US"/>
           </a:p>
@@ -914,8 +914,8 @@
         </p:nvSpPr>
         <p:spPr>
           <a:xfrm>
-            <a:off x="341221" y="2082060"/>
-            <a:ext cx="3671650" cy="643518"/>
+            <a:off x="540362" y="2082060"/>
+            <a:ext cx="5814457" cy="643518"/>
           </a:xfrm>
         </p:spPr>
         <p:txBody>
@@ -945,8 +945,8 @@
         </p:nvSpPr>
         <p:spPr>
           <a:xfrm>
-            <a:off x="341221" y="1373292"/>
-            <a:ext cx="3671650" cy="708768"/>
+            <a:off x="540362" y="1373292"/>
+            <a:ext cx="5814457" cy="708768"/>
           </a:xfrm>
         </p:spPr>
         <p:txBody>
@@ -962,7 +962,7 @@
                 </a:solidFill>
               </a:defRPr>
             </a:lvl1pPr>
-            <a:lvl2pPr marL="299729" indent="0">
+            <a:lvl2pPr marL="299722" indent="0">
               <a:buNone/>
               <a:defRPr sz="1200">
                 <a:solidFill>
@@ -972,7 +972,7 @@
                 </a:solidFill>
               </a:defRPr>
             </a:lvl2pPr>
-            <a:lvl3pPr marL="599457" indent="0">
+            <a:lvl3pPr marL="599444" indent="0">
               <a:buNone/>
               <a:defRPr sz="900">
                 <a:solidFill>
@@ -982,7 +982,7 @@
                 </a:solidFill>
               </a:defRPr>
             </a:lvl3pPr>
-            <a:lvl4pPr marL="899184" indent="0">
+            <a:lvl4pPr marL="899164" indent="0">
               <a:buNone/>
               <a:defRPr sz="900">
                 <a:solidFill>
@@ -992,7 +992,7 @@
                 </a:solidFill>
               </a:defRPr>
             </a:lvl4pPr>
-            <a:lvl5pPr marL="1198911" indent="0">
+            <a:lvl5pPr marL="1198884" indent="0">
               <a:buNone/>
               <a:defRPr sz="900">
                 <a:solidFill>
@@ -1002,7 +1002,7 @@
                 </a:solidFill>
               </a:defRPr>
             </a:lvl5pPr>
-            <a:lvl6pPr marL="1498640" indent="0">
+            <a:lvl6pPr marL="1498606" indent="0">
               <a:buNone/>
               <a:defRPr sz="900">
                 <a:solidFill>
@@ -1012,7 +1012,7 @@
                 </a:solidFill>
               </a:defRPr>
             </a:lvl6pPr>
-            <a:lvl7pPr marL="1798368" indent="0">
+            <a:lvl7pPr marL="1798328" indent="0">
               <a:buNone/>
               <a:defRPr sz="900">
                 <a:solidFill>
@@ -1022,7 +1022,7 @@
                 </a:solidFill>
               </a:defRPr>
             </a:lvl7pPr>
-            <a:lvl8pPr marL="2098097" indent="0">
+            <a:lvl8pPr marL="2098050" indent="0">
               <a:buNone/>
               <a:defRPr sz="900">
                 <a:solidFill>
@@ -1032,7 +1032,7 @@
                 </a:solidFill>
               </a:defRPr>
             </a:lvl8pPr>
-            <a:lvl9pPr marL="2397822" indent="0">
+            <a:lvl9pPr marL="2397768" indent="0">
               <a:buNone/>
               <a:defRPr sz="900">
                 <a:solidFill>
@@ -1070,7 +1070,7 @@
             <a:fld id="{C69E31BE-431C-4F96-86FE-0099C953F73C}" type="datetimeFigureOut">
               <a:rPr lang="en-US" smtClean="0"/>
               <a:pPr/>
-              <a:t>6/24/2025</a:t>
+              <a:t>8/13/2025</a:t>
             </a:fld>
             <a:endParaRPr lang="en-US"/>
           </a:p>
@@ -1183,8 +1183,8 @@
         </p:nvSpPr>
         <p:spPr>
           <a:xfrm>
-            <a:off x="215983" y="756022"/>
-            <a:ext cx="1907818" cy="2138308"/>
+            <a:off x="342034" y="756022"/>
+            <a:ext cx="3021237" cy="2138308"/>
           </a:xfrm>
         </p:spPr>
         <p:txBody>
@@ -1267,8 +1267,8 @@
         </p:nvSpPr>
         <p:spPr>
           <a:xfrm>
-            <a:off x="2195792" y="756022"/>
-            <a:ext cx="1907818" cy="2138308"/>
+            <a:off x="3477276" y="756022"/>
+            <a:ext cx="3021237" cy="2138308"/>
           </a:xfrm>
         </p:spPr>
         <p:txBody>
@@ -1357,7 +1357,7 @@
             <a:fld id="{C69E31BE-431C-4F96-86FE-0099C953F73C}" type="datetimeFigureOut">
               <a:rPr lang="en-US" smtClean="0"/>
               <a:pPr/>
-              <a:t>6/24/2025</a:t>
+              <a:t>8/13/2025</a:t>
             </a:fld>
             <a:endParaRPr lang="en-US"/>
           </a:p>
@@ -1474,8 +1474,8 @@
         </p:nvSpPr>
         <p:spPr>
           <a:xfrm>
-            <a:off x="215984" y="725271"/>
-            <a:ext cx="1908568" cy="302258"/>
+            <a:off x="342034" y="725271"/>
+            <a:ext cx="3022425" cy="302258"/>
           </a:xfrm>
         </p:spPr>
         <p:txBody>
@@ -1485,35 +1485,35 @@
               <a:buNone/>
               <a:defRPr sz="1700" b="1"/>
             </a:lvl1pPr>
-            <a:lvl2pPr marL="299729" indent="0">
+            <a:lvl2pPr marL="299722" indent="0">
               <a:buNone/>
               <a:defRPr sz="1400" b="1"/>
             </a:lvl2pPr>
-            <a:lvl3pPr marL="599457" indent="0">
+            <a:lvl3pPr marL="599444" indent="0">
               <a:buNone/>
               <a:defRPr sz="1200" b="1"/>
             </a:lvl3pPr>
-            <a:lvl4pPr marL="899184" indent="0">
+            <a:lvl4pPr marL="899164" indent="0">
               <a:buNone/>
               <a:defRPr sz="900" b="1"/>
             </a:lvl4pPr>
-            <a:lvl5pPr marL="1198911" indent="0">
+            <a:lvl5pPr marL="1198884" indent="0">
               <a:buNone/>
               <a:defRPr sz="900" b="1"/>
             </a:lvl5pPr>
-            <a:lvl6pPr marL="1498640" indent="0">
+            <a:lvl6pPr marL="1498606" indent="0">
               <a:buNone/>
               <a:defRPr sz="900" b="1"/>
             </a:lvl6pPr>
-            <a:lvl7pPr marL="1798368" indent="0">
+            <a:lvl7pPr marL="1798328" indent="0">
               <a:buNone/>
               <a:defRPr sz="900" b="1"/>
             </a:lvl7pPr>
-            <a:lvl8pPr marL="2098097" indent="0">
+            <a:lvl8pPr marL="2098050" indent="0">
               <a:buNone/>
               <a:defRPr sz="900" b="1"/>
             </a:lvl8pPr>
-            <a:lvl9pPr marL="2397822" indent="0">
+            <a:lvl9pPr marL="2397768" indent="0">
               <a:buNone/>
               <a:defRPr sz="900" b="1"/>
             </a:lvl9pPr>
@@ -1539,8 +1539,8 @@
         </p:nvSpPr>
         <p:spPr>
           <a:xfrm>
-            <a:off x="215984" y="1027530"/>
-            <a:ext cx="1908568" cy="1866801"/>
+            <a:off x="342034" y="1027530"/>
+            <a:ext cx="3022425" cy="1866801"/>
           </a:xfrm>
         </p:spPr>
         <p:txBody>
@@ -1623,8 +1623,8 @@
         </p:nvSpPr>
         <p:spPr>
           <a:xfrm>
-            <a:off x="2194295" y="725271"/>
-            <a:ext cx="1909318" cy="302258"/>
+            <a:off x="3474905" y="725271"/>
+            <a:ext cx="3023612" cy="302258"/>
           </a:xfrm>
         </p:spPr>
         <p:txBody>
@@ -1634,35 +1634,35 @@
               <a:buNone/>
               <a:defRPr sz="1700" b="1"/>
             </a:lvl1pPr>
-            <a:lvl2pPr marL="299729" indent="0">
+            <a:lvl2pPr marL="299722" indent="0">
               <a:buNone/>
               <a:defRPr sz="1400" b="1"/>
             </a:lvl2pPr>
-            <a:lvl3pPr marL="599457" indent="0">
+            <a:lvl3pPr marL="599444" indent="0">
               <a:buNone/>
               <a:defRPr sz="1200" b="1"/>
             </a:lvl3pPr>
-            <a:lvl4pPr marL="899184" indent="0">
+            <a:lvl4pPr marL="899164" indent="0">
               <a:buNone/>
               <a:defRPr sz="900" b="1"/>
             </a:lvl4pPr>
-            <a:lvl5pPr marL="1198911" indent="0">
+            <a:lvl5pPr marL="1198884" indent="0">
               <a:buNone/>
               <a:defRPr sz="900" b="1"/>
             </a:lvl5pPr>
-            <a:lvl6pPr marL="1498640" indent="0">
+            <a:lvl6pPr marL="1498606" indent="0">
               <a:buNone/>
               <a:defRPr sz="900" b="1"/>
             </a:lvl6pPr>
-            <a:lvl7pPr marL="1798368" indent="0">
+            <a:lvl7pPr marL="1798328" indent="0">
               <a:buNone/>
               <a:defRPr sz="900" b="1"/>
             </a:lvl7pPr>
-            <a:lvl8pPr marL="2098097" indent="0">
+            <a:lvl8pPr marL="2098050" indent="0">
               <a:buNone/>
               <a:defRPr sz="900" b="1"/>
             </a:lvl8pPr>
-            <a:lvl9pPr marL="2397822" indent="0">
+            <a:lvl9pPr marL="2397768" indent="0">
               <a:buNone/>
               <a:defRPr sz="900" b="1"/>
             </a:lvl9pPr>
@@ -1688,8 +1688,8 @@
         </p:nvSpPr>
         <p:spPr>
           <a:xfrm>
-            <a:off x="2194295" y="1027530"/>
-            <a:ext cx="1909318" cy="1866801"/>
+            <a:off x="3474905" y="1027530"/>
+            <a:ext cx="3023612" cy="1866801"/>
           </a:xfrm>
         </p:spPr>
         <p:txBody>
@@ -1778,7 +1778,7 @@
             <a:fld id="{C69E31BE-431C-4F96-86FE-0099C953F73C}" type="datetimeFigureOut">
               <a:rPr lang="en-US" smtClean="0"/>
               <a:pPr/>
-              <a:t>6/24/2025</a:t>
+              <a:t>8/13/2025</a:t>
             </a:fld>
             <a:endParaRPr lang="en-US"/>
           </a:p>
@@ -1897,7 +1897,7 @@
             <a:fld id="{C69E31BE-431C-4F96-86FE-0099C953F73C}" type="datetimeFigureOut">
               <a:rPr lang="en-US" smtClean="0"/>
               <a:pPr/>
-              <a:t>6/24/2025</a:t>
+              <a:t>8/13/2025</a:t>
             </a:fld>
             <a:endParaRPr lang="en-US"/>
           </a:p>
@@ -1994,7 +1994,7 @@
             <a:fld id="{C69E31BE-431C-4F96-86FE-0099C953F73C}" type="datetimeFigureOut">
               <a:rPr lang="en-US" smtClean="0"/>
               <a:pPr/>
-              <a:t>6/24/2025</a:t>
+              <a:t>8/13/2025</a:t>
             </a:fld>
             <a:endParaRPr lang="en-US"/>
           </a:p>
@@ -2085,8 +2085,8 @@
         </p:nvSpPr>
         <p:spPr>
           <a:xfrm>
-            <a:off x="215991" y="129007"/>
-            <a:ext cx="1421115" cy="549015"/>
+            <a:off x="342048" y="129011"/>
+            <a:ext cx="2250491" cy="549015"/>
           </a:xfrm>
         </p:spPr>
         <p:txBody>
@@ -2116,8 +2116,8 @@
         </p:nvSpPr>
         <p:spPr>
           <a:xfrm>
-            <a:off x="1688850" y="129010"/>
-            <a:ext cx="2414770" cy="2765325"/>
+            <a:off x="2674479" y="129014"/>
+            <a:ext cx="3824051" cy="2765325"/>
           </a:xfrm>
         </p:spPr>
         <p:txBody>
@@ -2200,8 +2200,8 @@
         </p:nvSpPr>
         <p:spPr>
           <a:xfrm>
-            <a:off x="215991" y="678023"/>
-            <a:ext cx="1421115" cy="2216310"/>
+            <a:off x="342048" y="678023"/>
+            <a:ext cx="2250491" cy="2216310"/>
           </a:xfrm>
         </p:spPr>
         <p:txBody>
@@ -2211,35 +2211,35 @@
               <a:buNone/>
               <a:defRPr sz="900"/>
             </a:lvl1pPr>
-            <a:lvl2pPr marL="299729" indent="0">
+            <a:lvl2pPr marL="299722" indent="0">
               <a:buNone/>
               <a:defRPr sz="800"/>
             </a:lvl2pPr>
-            <a:lvl3pPr marL="599457" indent="0">
+            <a:lvl3pPr marL="599444" indent="0">
               <a:buNone/>
               <a:defRPr sz="600"/>
             </a:lvl3pPr>
-            <a:lvl4pPr marL="899184" indent="0">
+            <a:lvl4pPr marL="899164" indent="0">
               <a:buNone/>
               <a:defRPr sz="600"/>
             </a:lvl4pPr>
-            <a:lvl5pPr marL="1198911" indent="0">
+            <a:lvl5pPr marL="1198884" indent="0">
               <a:buNone/>
               <a:defRPr sz="600"/>
             </a:lvl5pPr>
-            <a:lvl6pPr marL="1498640" indent="0">
+            <a:lvl6pPr marL="1498606" indent="0">
               <a:buNone/>
               <a:defRPr sz="600"/>
             </a:lvl6pPr>
-            <a:lvl7pPr marL="1798368" indent="0">
+            <a:lvl7pPr marL="1798328" indent="0">
               <a:buNone/>
               <a:defRPr sz="600"/>
             </a:lvl7pPr>
-            <a:lvl8pPr marL="2098097" indent="0">
+            <a:lvl8pPr marL="2098050" indent="0">
               <a:buNone/>
               <a:defRPr sz="600"/>
             </a:lvl8pPr>
-            <a:lvl9pPr marL="2397822" indent="0">
+            <a:lvl9pPr marL="2397768" indent="0">
               <a:buNone/>
               <a:defRPr sz="600"/>
             </a:lvl9pPr>
@@ -2271,7 +2271,7 @@
             <a:fld id="{C69E31BE-431C-4F96-86FE-0099C953F73C}" type="datetimeFigureOut">
               <a:rPr lang="en-US" smtClean="0"/>
               <a:pPr/>
-              <a:t>6/24/2025</a:t>
+              <a:t>8/13/2025</a:t>
             </a:fld>
             <a:endParaRPr lang="en-US"/>
           </a:p>
@@ -2362,8 +2362,8 @@
         </p:nvSpPr>
         <p:spPr>
           <a:xfrm>
-            <a:off x="846676" y="2268064"/>
-            <a:ext cx="2591753" cy="267758"/>
+            <a:off x="1340804" y="2268064"/>
+            <a:ext cx="4104323" cy="267758"/>
           </a:xfrm>
         </p:spPr>
         <p:txBody>
@@ -2393,8 +2393,8 @@
         </p:nvSpPr>
         <p:spPr>
           <a:xfrm>
-            <a:off x="846676" y="289510"/>
-            <a:ext cx="2591753" cy="1944053"/>
+            <a:off x="1340804" y="289514"/>
+            <a:ext cx="4104323" cy="1944053"/>
           </a:xfrm>
         </p:spPr>
         <p:txBody>
@@ -2404,35 +2404,35 @@
               <a:buNone/>
               <a:defRPr sz="2100"/>
             </a:lvl1pPr>
-            <a:lvl2pPr marL="299729" indent="0">
+            <a:lvl2pPr marL="299722" indent="0">
               <a:buNone/>
               <a:defRPr sz="1800"/>
             </a:lvl2pPr>
-            <a:lvl3pPr marL="599457" indent="0">
+            <a:lvl3pPr marL="599444" indent="0">
               <a:buNone/>
               <a:defRPr sz="1700"/>
             </a:lvl3pPr>
-            <a:lvl4pPr marL="899184" indent="0">
+            <a:lvl4pPr marL="899164" indent="0">
               <a:buNone/>
               <a:defRPr sz="1400"/>
             </a:lvl4pPr>
-            <a:lvl5pPr marL="1198911" indent="0">
+            <a:lvl5pPr marL="1198884" indent="0">
               <a:buNone/>
               <a:defRPr sz="1400"/>
             </a:lvl5pPr>
-            <a:lvl6pPr marL="1498640" indent="0">
+            <a:lvl6pPr marL="1498606" indent="0">
               <a:buNone/>
               <a:defRPr sz="1400"/>
             </a:lvl6pPr>
-            <a:lvl7pPr marL="1798368" indent="0">
+            <a:lvl7pPr marL="1798328" indent="0">
               <a:buNone/>
               <a:defRPr sz="1400"/>
             </a:lvl7pPr>
-            <a:lvl8pPr marL="2098097" indent="0">
+            <a:lvl8pPr marL="2098050" indent="0">
               <a:buNone/>
               <a:defRPr sz="1400"/>
             </a:lvl8pPr>
-            <a:lvl9pPr marL="2397822" indent="0">
+            <a:lvl9pPr marL="2397768" indent="0">
               <a:buNone/>
               <a:defRPr sz="1400"/>
             </a:lvl9pPr>
@@ -2454,8 +2454,8 @@
         </p:nvSpPr>
         <p:spPr>
           <a:xfrm>
-            <a:off x="846676" y="2535822"/>
-            <a:ext cx="2591753" cy="380260"/>
+            <a:off x="1340804" y="2535822"/>
+            <a:ext cx="4104323" cy="380260"/>
           </a:xfrm>
         </p:spPr>
         <p:txBody>
@@ -2465,35 +2465,35 @@
               <a:buNone/>
               <a:defRPr sz="900"/>
             </a:lvl1pPr>
-            <a:lvl2pPr marL="299729" indent="0">
+            <a:lvl2pPr marL="299722" indent="0">
               <a:buNone/>
               <a:defRPr sz="800"/>
             </a:lvl2pPr>
-            <a:lvl3pPr marL="599457" indent="0">
+            <a:lvl3pPr marL="599444" indent="0">
               <a:buNone/>
               <a:defRPr sz="600"/>
             </a:lvl3pPr>
-            <a:lvl4pPr marL="899184" indent="0">
+            <a:lvl4pPr marL="899164" indent="0">
               <a:buNone/>
               <a:defRPr sz="600"/>
             </a:lvl4pPr>
-            <a:lvl5pPr marL="1198911" indent="0">
+            <a:lvl5pPr marL="1198884" indent="0">
               <a:buNone/>
               <a:defRPr sz="600"/>
             </a:lvl5pPr>
-            <a:lvl6pPr marL="1498640" indent="0">
+            <a:lvl6pPr marL="1498606" indent="0">
               <a:buNone/>
               <a:defRPr sz="600"/>
             </a:lvl6pPr>
-            <a:lvl7pPr marL="1798368" indent="0">
+            <a:lvl7pPr marL="1798328" indent="0">
               <a:buNone/>
               <a:defRPr sz="600"/>
             </a:lvl7pPr>
-            <a:lvl8pPr marL="2098097" indent="0">
+            <a:lvl8pPr marL="2098050" indent="0">
               <a:buNone/>
               <a:defRPr sz="600"/>
             </a:lvl8pPr>
-            <a:lvl9pPr marL="2397822" indent="0">
+            <a:lvl9pPr marL="2397768" indent="0">
               <a:buNone/>
               <a:defRPr sz="600"/>
             </a:lvl9pPr>
@@ -2525,7 +2525,7 @@
             <a:fld id="{C69E31BE-431C-4F96-86FE-0099C953F73C}" type="datetimeFigureOut">
               <a:rPr lang="en-US" smtClean="0"/>
               <a:pPr/>
-              <a:t>6/24/2025</a:t>
+              <a:t>8/13/2025</a:t>
             </a:fld>
             <a:endParaRPr lang="en-US"/>
           </a:p>
@@ -2621,8 +2621,8 @@
         </p:nvSpPr>
         <p:spPr>
           <a:xfrm>
-            <a:off x="215985" y="129757"/>
-            <a:ext cx="3887629" cy="540015"/>
+            <a:off x="342039" y="129761"/>
+            <a:ext cx="6156483" cy="540015"/>
           </a:xfrm>
           <a:prstGeom prst="rect">
             <a:avLst/>
@@ -2653,8 +2653,8 @@
         </p:nvSpPr>
         <p:spPr>
           <a:xfrm>
-            <a:off x="215985" y="756022"/>
-            <a:ext cx="3887629" cy="2138308"/>
+            <a:off x="342039" y="756022"/>
+            <a:ext cx="6156483" cy="2138308"/>
           </a:xfrm>
           <a:prstGeom prst="rect">
             <a:avLst/>
@@ -2714,8 +2714,8 @@
         </p:nvSpPr>
         <p:spPr>
           <a:xfrm>
-            <a:off x="215982" y="3003084"/>
-            <a:ext cx="1007905" cy="172506"/>
+            <a:off x="342032" y="3003084"/>
+            <a:ext cx="1596127" cy="172506"/>
           </a:xfrm>
           <a:prstGeom prst="rect">
             <a:avLst/>
@@ -2738,7 +2738,7 @@
             <a:fld id="{C69E31BE-431C-4F96-86FE-0099C953F73C}" type="datetimeFigureOut">
               <a:rPr lang="en-US" smtClean="0"/>
               <a:pPr/>
-              <a:t>6/24/2025</a:t>
+              <a:t>8/13/2025</a:t>
             </a:fld>
             <a:endParaRPr lang="en-US"/>
           </a:p>
@@ -2756,8 +2756,8 @@
         </p:nvSpPr>
         <p:spPr>
           <a:xfrm>
-            <a:off x="1475862" y="3003084"/>
-            <a:ext cx="1367870" cy="172506"/>
+            <a:off x="2337189" y="3003084"/>
+            <a:ext cx="2166171" cy="172506"/>
           </a:xfrm>
           <a:prstGeom prst="rect">
             <a:avLst/>
@@ -2793,8 +2793,8 @@
         </p:nvSpPr>
         <p:spPr>
           <a:xfrm>
-            <a:off x="3095708" y="3003084"/>
-            <a:ext cx="1007905" cy="172506"/>
+            <a:off x="4902391" y="3003084"/>
+            <a:ext cx="1596127" cy="172506"/>
           </a:xfrm>
           <a:prstGeom prst="rect">
             <a:avLst/>
@@ -2846,7 +2846,7 @@
   </p:sldLayoutIdLst>
   <p:txStyles>
     <p:titleStyle>
-      <a:lvl1pPr algn="ctr" defTabSz="599457" rtl="0" eaLnBrk="1" latinLnBrk="0" hangingPunct="1">
+      <a:lvl1pPr algn="ctr" defTabSz="599444" rtl="0" eaLnBrk="1" latinLnBrk="0" hangingPunct="1">
         <a:spcBef>
           <a:spcPct val="0"/>
         </a:spcBef>
@@ -2862,7 +2862,7 @@
       </a:lvl1pPr>
     </p:titleStyle>
     <p:bodyStyle>
-      <a:lvl1pPr marL="224798" indent="-224798" algn="l" defTabSz="599457" rtl="0" eaLnBrk="1" latinLnBrk="0" hangingPunct="1">
+      <a:lvl1pPr marL="224793" indent="-224793" algn="l" defTabSz="599444" rtl="0" eaLnBrk="1" latinLnBrk="0" hangingPunct="1">
         <a:spcBef>
           <a:spcPct val="20000"/>
         </a:spcBef>
@@ -2877,7 +2877,7 @@
           <a:cs typeface="+mn-cs"/>
         </a:defRPr>
       </a:lvl1pPr>
-      <a:lvl2pPr marL="487059" indent="-187331" algn="l" defTabSz="599457" rtl="0" eaLnBrk="1" latinLnBrk="0" hangingPunct="1">
+      <a:lvl2pPr marL="487048" indent="-187327" algn="l" defTabSz="599444" rtl="0" eaLnBrk="1" latinLnBrk="0" hangingPunct="1">
         <a:spcBef>
           <a:spcPct val="20000"/>
         </a:spcBef>
@@ -2892,7 +2892,7 @@
           <a:cs typeface="+mn-cs"/>
         </a:defRPr>
       </a:lvl2pPr>
-      <a:lvl3pPr marL="749319" indent="-149865" algn="l" defTabSz="599457" rtl="0" eaLnBrk="1" latinLnBrk="0" hangingPunct="1">
+      <a:lvl3pPr marL="749302" indent="-149862" algn="l" defTabSz="599444" rtl="0" eaLnBrk="1" latinLnBrk="0" hangingPunct="1">
         <a:spcBef>
           <a:spcPct val="20000"/>
         </a:spcBef>
@@ -2907,7 +2907,7 @@
           <a:cs typeface="+mn-cs"/>
         </a:defRPr>
       </a:lvl3pPr>
-      <a:lvl4pPr marL="1049048" indent="-149865" algn="l" defTabSz="599457" rtl="0" eaLnBrk="1" latinLnBrk="0" hangingPunct="1">
+      <a:lvl4pPr marL="1049024" indent="-149862" algn="l" defTabSz="599444" rtl="0" eaLnBrk="1" latinLnBrk="0" hangingPunct="1">
         <a:spcBef>
           <a:spcPct val="20000"/>
         </a:spcBef>
@@ -2922,7 +2922,7 @@
           <a:cs typeface="+mn-cs"/>
         </a:defRPr>
       </a:lvl4pPr>
-      <a:lvl5pPr marL="1348776" indent="-149865" algn="l" defTabSz="599457" rtl="0" eaLnBrk="1" latinLnBrk="0" hangingPunct="1">
+      <a:lvl5pPr marL="1348746" indent="-149862" algn="l" defTabSz="599444" rtl="0" eaLnBrk="1" latinLnBrk="0" hangingPunct="1">
         <a:spcBef>
           <a:spcPct val="20000"/>
         </a:spcBef>
@@ -2937,7 +2937,7 @@
           <a:cs typeface="+mn-cs"/>
         </a:defRPr>
       </a:lvl5pPr>
-      <a:lvl6pPr marL="1648503" indent="-149865" algn="l" defTabSz="599457" rtl="0" eaLnBrk="1" latinLnBrk="0" hangingPunct="1">
+      <a:lvl6pPr marL="1648466" indent="-149862" algn="l" defTabSz="599444" rtl="0" eaLnBrk="1" latinLnBrk="0" hangingPunct="1">
         <a:spcBef>
           <a:spcPct val="20000"/>
         </a:spcBef>
@@ -2952,7 +2952,7 @@
           <a:cs typeface="+mn-cs"/>
         </a:defRPr>
       </a:lvl6pPr>
-      <a:lvl7pPr marL="1948232" indent="-149865" algn="l" defTabSz="599457" rtl="0" eaLnBrk="1" latinLnBrk="0" hangingPunct="1">
+      <a:lvl7pPr marL="1948188" indent="-149862" algn="l" defTabSz="599444" rtl="0" eaLnBrk="1" latinLnBrk="0" hangingPunct="1">
         <a:spcBef>
           <a:spcPct val="20000"/>
         </a:spcBef>
@@ -2967,7 +2967,7 @@
           <a:cs typeface="+mn-cs"/>
         </a:defRPr>
       </a:lvl7pPr>
-      <a:lvl8pPr marL="2247960" indent="-149865" algn="l" defTabSz="599457" rtl="0" eaLnBrk="1" latinLnBrk="0" hangingPunct="1">
+      <a:lvl8pPr marL="2247909" indent="-149862" algn="l" defTabSz="599444" rtl="0" eaLnBrk="1" latinLnBrk="0" hangingPunct="1">
         <a:spcBef>
           <a:spcPct val="20000"/>
         </a:spcBef>
@@ -2982,7 +2982,7 @@
           <a:cs typeface="+mn-cs"/>
         </a:defRPr>
       </a:lvl8pPr>
-      <a:lvl9pPr marL="2547687" indent="-149865" algn="l" defTabSz="599457" rtl="0" eaLnBrk="1" latinLnBrk="0" hangingPunct="1">
+      <a:lvl9pPr marL="2547630" indent="-149862" algn="l" defTabSz="599444" rtl="0" eaLnBrk="1" latinLnBrk="0" hangingPunct="1">
         <a:spcBef>
           <a:spcPct val="20000"/>
         </a:spcBef>
@@ -3002,7 +3002,7 @@
       <a:defPPr>
         <a:defRPr lang="en-US"/>
       </a:defPPr>
-      <a:lvl1pPr marL="0" algn="l" defTabSz="599457" rtl="0" eaLnBrk="1" latinLnBrk="0" hangingPunct="1">
+      <a:lvl1pPr marL="0" algn="l" defTabSz="599444" rtl="0" eaLnBrk="1" latinLnBrk="0" hangingPunct="1">
         <a:defRPr sz="1200" kern="1200">
           <a:solidFill>
             <a:schemeClr val="tx1"/>
@@ -3012,7 +3012,7 @@
           <a:cs typeface="+mn-cs"/>
         </a:defRPr>
       </a:lvl1pPr>
-      <a:lvl2pPr marL="299729" algn="l" defTabSz="599457" rtl="0" eaLnBrk="1" latinLnBrk="0" hangingPunct="1">
+      <a:lvl2pPr marL="299722" algn="l" defTabSz="599444" rtl="0" eaLnBrk="1" latinLnBrk="0" hangingPunct="1">
         <a:defRPr sz="1200" kern="1200">
           <a:solidFill>
             <a:schemeClr val="tx1"/>
@@ -3022,7 +3022,7 @@
           <a:cs typeface="+mn-cs"/>
         </a:defRPr>
       </a:lvl2pPr>
-      <a:lvl3pPr marL="599457" algn="l" defTabSz="599457" rtl="0" eaLnBrk="1" latinLnBrk="0" hangingPunct="1">
+      <a:lvl3pPr marL="599444" algn="l" defTabSz="599444" rtl="0" eaLnBrk="1" latinLnBrk="0" hangingPunct="1">
         <a:defRPr sz="1200" kern="1200">
           <a:solidFill>
             <a:schemeClr val="tx1"/>
@@ -3032,7 +3032,7 @@
           <a:cs typeface="+mn-cs"/>
         </a:defRPr>
       </a:lvl3pPr>
-      <a:lvl4pPr marL="899184" algn="l" defTabSz="599457" rtl="0" eaLnBrk="1" latinLnBrk="0" hangingPunct="1">
+      <a:lvl4pPr marL="899164" algn="l" defTabSz="599444" rtl="0" eaLnBrk="1" latinLnBrk="0" hangingPunct="1">
         <a:defRPr sz="1200" kern="1200">
           <a:solidFill>
             <a:schemeClr val="tx1"/>
@@ -3042,7 +3042,7 @@
           <a:cs typeface="+mn-cs"/>
         </a:defRPr>
       </a:lvl4pPr>
-      <a:lvl5pPr marL="1198911" algn="l" defTabSz="599457" rtl="0" eaLnBrk="1" latinLnBrk="0" hangingPunct="1">
+      <a:lvl5pPr marL="1198884" algn="l" defTabSz="599444" rtl="0" eaLnBrk="1" latinLnBrk="0" hangingPunct="1">
         <a:defRPr sz="1200" kern="1200">
           <a:solidFill>
             <a:schemeClr val="tx1"/>
@@ -3052,7 +3052,7 @@
           <a:cs typeface="+mn-cs"/>
         </a:defRPr>
       </a:lvl5pPr>
-      <a:lvl6pPr marL="1498640" algn="l" defTabSz="599457" rtl="0" eaLnBrk="1" latinLnBrk="0" hangingPunct="1">
+      <a:lvl6pPr marL="1498606" algn="l" defTabSz="599444" rtl="0" eaLnBrk="1" latinLnBrk="0" hangingPunct="1">
         <a:defRPr sz="1200" kern="1200">
           <a:solidFill>
             <a:schemeClr val="tx1"/>
@@ -3062,7 +3062,7 @@
           <a:cs typeface="+mn-cs"/>
         </a:defRPr>
       </a:lvl6pPr>
-      <a:lvl7pPr marL="1798368" algn="l" defTabSz="599457" rtl="0" eaLnBrk="1" latinLnBrk="0" hangingPunct="1">
+      <a:lvl7pPr marL="1798328" algn="l" defTabSz="599444" rtl="0" eaLnBrk="1" latinLnBrk="0" hangingPunct="1">
         <a:defRPr sz="1200" kern="1200">
           <a:solidFill>
             <a:schemeClr val="tx1"/>
@@ -3072,7 +3072,7 @@
           <a:cs typeface="+mn-cs"/>
         </a:defRPr>
       </a:lvl7pPr>
-      <a:lvl8pPr marL="2098097" algn="l" defTabSz="599457" rtl="0" eaLnBrk="1" latinLnBrk="0" hangingPunct="1">
+      <a:lvl8pPr marL="2098050" algn="l" defTabSz="599444" rtl="0" eaLnBrk="1" latinLnBrk="0" hangingPunct="1">
         <a:defRPr sz="1200" kern="1200">
           <a:solidFill>
             <a:schemeClr val="tx1"/>
@@ -3082,7 +3082,7 @@
           <a:cs typeface="+mn-cs"/>
         </a:defRPr>
       </a:lvl8pPr>
-      <a:lvl9pPr marL="2397822" algn="l" defTabSz="599457" rtl="0" eaLnBrk="1" latinLnBrk="0" hangingPunct="1">
+      <a:lvl9pPr marL="2397768" algn="l" defTabSz="599444" rtl="0" eaLnBrk="1" latinLnBrk="0" hangingPunct="1">
         <a:defRPr sz="1200" kern="1200">
           <a:solidFill>
             <a:schemeClr val="tx1"/>
@@ -3122,7 +3122,7 @@
         </p:nvSpPr>
         <p:spPr>
           <a:xfrm>
-            <a:off x="54903" y="19844"/>
+            <a:off x="2439666" y="19844"/>
             <a:ext cx="827619" cy="3200400"/>
           </a:xfrm>
           <a:prstGeom prst="rect">
@@ -3169,7 +3169,7 @@
         </p:nvSpPr>
         <p:spPr>
           <a:xfrm>
-            <a:off x="1970932" y="19844"/>
+            <a:off x="4355692" y="19844"/>
             <a:ext cx="914762" cy="1199856"/>
           </a:xfrm>
           <a:prstGeom prst="rect">
@@ -3203,7 +3203,17 @@
                 <a:latin typeface="Arial" pitchFamily="34" charset="0"/>
                 <a:cs typeface="Arial" pitchFamily="34" charset="0"/>
               </a:rPr>
-              <a:t>Form Manager</a:t>
+              <a:t>Form</a:t>
+            </a:r>
+          </a:p>
+          <a:p>
+            <a:pPr algn="ctr"/>
+            <a:r>
+              <a:rPr lang="en-CA" dirty="0">
+                <a:latin typeface="Arial" pitchFamily="34" charset="0"/>
+                <a:cs typeface="Arial" pitchFamily="34" charset="0"/>
+              </a:rPr>
+              <a:t>Fill Manager</a:t>
             </a:r>
           </a:p>
         </p:txBody>
@@ -3216,7 +3226,7 @@
         </p:nvSpPr>
         <p:spPr>
           <a:xfrm>
-            <a:off x="882523" y="19844"/>
+            <a:off x="3267285" y="96044"/>
             <a:ext cx="1086027" cy="628496"/>
           </a:xfrm>
           <a:prstGeom prst="rect">
@@ -3256,7 +3266,7 @@
                 <a:latin typeface="Arial" pitchFamily="34" charset="0"/>
                 <a:cs typeface="Arial" pitchFamily="34" charset="0"/>
               </a:rPr>
-              <a:t>Search, Populate</a:t>
+              <a:t>Search, Populate, next-question</a:t>
             </a:r>
             <a:br>
               <a:rPr lang="en-CA" sz="1050" dirty="0">
@@ -3288,7 +3298,7 @@
         </p:nvSpPr>
         <p:spPr>
           <a:xfrm>
-            <a:off x="882523" y="769811"/>
+            <a:off x="3267285" y="769811"/>
             <a:ext cx="1086027" cy="399952"/>
           </a:xfrm>
           <a:prstGeom prst="rect">
@@ -3328,7 +3338,7 @@
                 <a:latin typeface="Arial" pitchFamily="34" charset="0"/>
                 <a:cs typeface="Arial" pitchFamily="34" charset="0"/>
               </a:rPr>
-              <a:t>Read</a:t>
+              <a:t>Search</a:t>
             </a:r>
             <a:br>
               <a:rPr lang="en-CA" sz="1050" dirty="0">
@@ -3348,6 +3358,16 @@
                 <a:cs typeface="Arial" pitchFamily="34" charset="0"/>
               </a:rPr>
               <a:t>ValueSet</a:t>
+            </a:r>
+            <a:r>
+              <a:rPr lang="en-CA" sz="1050" dirty="0">
+                <a:solidFill>
+                  <a:schemeClr val="tx1"/>
+                </a:solidFill>
+                <a:latin typeface="Arial" pitchFamily="34" charset="0"/>
+                <a:cs typeface="Arial" pitchFamily="34" charset="0"/>
+              </a:rPr>
+              <a:t>, etc.</a:t>
             </a:r>
           </a:p>
         </p:txBody>
@@ -3362,7 +3382,7 @@
         </p:nvCxnSpPr>
         <p:spPr>
           <a:xfrm>
-            <a:off x="882523" y="819748"/>
+            <a:off x="3267285" y="819748"/>
             <a:ext cx="1086027" cy="0"/>
           </a:xfrm>
           <a:prstGeom prst="straightConnector1">
@@ -3397,7 +3417,7 @@
         </p:nvCxnSpPr>
         <p:spPr>
           <a:xfrm>
-            <a:off x="882523" y="2706020"/>
+            <a:off x="3267285" y="2706020"/>
             <a:ext cx="1086027" cy="0"/>
           </a:xfrm>
           <a:prstGeom prst="straightConnector1">
@@ -3432,7 +3452,7 @@
         </p:nvCxnSpPr>
         <p:spPr>
           <a:xfrm>
-            <a:off x="882523" y="103019"/>
+            <a:off x="3267285" y="103019"/>
             <a:ext cx="1086027" cy="0"/>
           </a:xfrm>
           <a:prstGeom prst="straightConnector1">
@@ -3465,7 +3485,7 @@
         </p:nvSpPr>
         <p:spPr>
           <a:xfrm>
-            <a:off x="1973526" y="1277340"/>
+            <a:off x="4358286" y="1277340"/>
             <a:ext cx="912168" cy="799904"/>
           </a:xfrm>
           <a:prstGeom prst="rect">
@@ -3512,7 +3532,7 @@
         </p:nvSpPr>
         <p:spPr>
           <a:xfrm>
-            <a:off x="1968550" y="2648884"/>
+            <a:off x="4353313" y="2648884"/>
             <a:ext cx="917145" cy="514224"/>
           </a:xfrm>
           <a:prstGeom prst="rect">
@@ -3570,7 +3590,7 @@
         </p:nvSpPr>
         <p:spPr>
           <a:xfrm>
-            <a:off x="872334" y="1391445"/>
+            <a:off x="3257097" y="1391445"/>
             <a:ext cx="1086027" cy="628496"/>
           </a:xfrm>
           <a:prstGeom prst="rect">
@@ -3655,7 +3675,7 @@
         </p:nvSpPr>
         <p:spPr>
           <a:xfrm>
-            <a:off x="882523" y="2682833"/>
+            <a:off x="3267285" y="2682834"/>
             <a:ext cx="1086027" cy="514224"/>
           </a:xfrm>
           <a:prstGeom prst="rect">
@@ -3736,7 +3756,7 @@
         </p:nvCxnSpPr>
         <p:spPr>
           <a:xfrm>
-            <a:off x="882523" y="1315244"/>
+            <a:off x="3267285" y="1315244"/>
             <a:ext cx="1086027" cy="0"/>
           </a:xfrm>
           <a:prstGeom prst="straightConnector1">
@@ -3769,7 +3789,7 @@
         </p:nvSpPr>
         <p:spPr>
           <a:xfrm>
-            <a:off x="1979316" y="2133876"/>
+            <a:off x="4364076" y="2133876"/>
             <a:ext cx="906378" cy="457088"/>
           </a:xfrm>
           <a:prstGeom prst="rect">
@@ -3821,7 +3841,7 @@
         </p:nvCxnSpPr>
         <p:spPr>
           <a:xfrm>
-            <a:off x="882523" y="2153444"/>
+            <a:off x="3267285" y="2153444"/>
             <a:ext cx="1086027" cy="0"/>
           </a:xfrm>
           <a:prstGeom prst="straightConnector1">
@@ -3854,7 +3874,7 @@
         </p:nvSpPr>
         <p:spPr>
           <a:xfrm>
-            <a:off x="857170" y="2077244"/>
+            <a:off x="3241932" y="2077244"/>
             <a:ext cx="1086027" cy="628496"/>
           </a:xfrm>
           <a:prstGeom prst="rect">
@@ -3935,7 +3955,7 @@
         </p:nvCxnSpPr>
         <p:spPr>
           <a:xfrm rot="16200000" flipV="1">
-            <a:off x="2737641" y="1825345"/>
+            <a:off x="5122402" y="1825345"/>
             <a:ext cx="685128" cy="389022"/>
           </a:xfrm>
           <a:prstGeom prst="bentConnector2">
@@ -3978,7 +3998,7 @@
         </p:nvCxnSpPr>
         <p:spPr>
           <a:xfrm>
-            <a:off x="2885694" y="2362420"/>
+            <a:off x="5270454" y="2362420"/>
             <a:ext cx="389022" cy="0"/>
           </a:xfrm>
           <a:prstGeom prst="straightConnector1">
@@ -4018,7 +4038,7 @@
         </p:nvSpPr>
         <p:spPr>
           <a:xfrm>
-            <a:off x="3274717" y="1672522"/>
+            <a:off x="5659477" y="1672525"/>
             <a:ext cx="1066800" cy="685115"/>
           </a:xfrm>
           <a:prstGeom prst="rect">
@@ -4082,12 +4102,70 @@
           </a:p>
         </p:txBody>
       </p:sp>
+      <p:sp>
+        <p:nvSpPr>
+          <p:cNvPr id="8" name="Rectangle 7">
+            <a:extLst>
+              <a:ext uri="{FF2B5EF4-FFF2-40B4-BE49-F238E27FC236}">
+                <a16:creationId xmlns:a16="http://schemas.microsoft.com/office/drawing/2014/main" id="{B9AC73C0-D189-03F4-30CF-44C9ED30554C}"/>
+              </a:ext>
+            </a:extLst>
+          </p:cNvPr>
+          <p:cNvSpPr/>
+          <p:nvPr/>
+        </p:nvSpPr>
+        <p:spPr>
+          <a:xfrm>
+            <a:off x="143669" y="1219700"/>
+            <a:ext cx="1038092" cy="457088"/>
+          </a:xfrm>
+          <a:prstGeom prst="rect">
+            <a:avLst/>
+          </a:prstGeom>
+          <a:solidFill>
+            <a:schemeClr val="bg1">
+              <a:lumMod val="65000"/>
+            </a:schemeClr>
+          </a:solidFill>
+          <a:ln w="12700"/>
+        </p:spPr>
+        <p:style>
+          <a:lnRef idx="2">
+            <a:schemeClr val="accent4">
+              <a:shade val="50000"/>
+            </a:schemeClr>
+          </a:lnRef>
+          <a:fillRef idx="1">
+            <a:schemeClr val="accent4"/>
+          </a:fillRef>
+          <a:effectRef idx="0">
+            <a:schemeClr val="accent4"/>
+          </a:effectRef>
+          <a:fontRef idx="minor">
+            <a:schemeClr val="lt1"/>
+          </a:fontRef>
+        </p:style>
+        <p:txBody>
+          <a:bodyPr lIns="68575" tIns="34288" rIns="68575" bIns="34288" rtlCol="0" anchor="ctr"/>
+          <a:lstStyle/>
+          <a:p>
+            <a:pPr algn="ctr"/>
+            <a:r>
+              <a:rPr lang="en-CA" dirty="0">
+                <a:latin typeface="Arial" pitchFamily="34" charset="0"/>
+                <a:cs typeface="Arial" pitchFamily="34" charset="0"/>
+              </a:rPr>
+              <a:t>Terminology Service</a:t>
+            </a:r>
+          </a:p>
+        </p:txBody>
+      </p:sp>
       <p:cxnSp>
         <p:nvCxnSpPr>
-          <p:cNvPr id="2" name="Connector: Elbow 1">
+          <p:cNvPr id="9" name="Straight Arrow Connector 8">
             <a:extLst>
               <a:ext uri="{FF2B5EF4-FFF2-40B4-BE49-F238E27FC236}">
-                <a16:creationId xmlns:a16="http://schemas.microsoft.com/office/drawing/2014/main" id="{563B6730-A743-4013-BED4-1D67D5C83F2F}"/>
+                <a16:creationId xmlns:a16="http://schemas.microsoft.com/office/drawing/2014/main" id="{C13D7952-2485-05C6-09F9-46AAC3EB7812}"/>
               </a:ext>
             </a:extLst>
           </p:cNvPr>
@@ -4097,16 +4175,15 @@
           <p:nvPr/>
         </p:nvCxnSpPr>
         <p:spPr>
-          <a:xfrm rot="16200000" flipV="1">
-            <a:off x="2742668" y="506586"/>
-            <a:ext cx="685128" cy="389022"/>
+          <a:xfrm flipH="1">
+            <a:off x="1182951" y="1277340"/>
+            <a:ext cx="1256712" cy="0"/>
           </a:xfrm>
-          <a:prstGeom prst="bentConnector2">
+          <a:prstGeom prst="straightConnector1">
             <a:avLst/>
           </a:prstGeom>
           <a:ln w="19050">
-            <a:headEnd type="none" w="med" len="med"/>
-            <a:tailEnd type="arrow" w="med" len="med"/>
+            <a:tailEnd type="arrow"/>
           </a:ln>
         </p:spPr>
         <p:style>
@@ -4124,54 +4201,12 @@
           </a:fontRef>
         </p:style>
       </p:cxnSp>
-      <p:cxnSp>
-        <p:nvCxnSpPr>
-          <p:cNvPr id="3" name="Straight Arrow Connector 2">
+      <p:sp>
+        <p:nvSpPr>
+          <p:cNvPr id="13" name="Rectangle 12">
             <a:extLst>
               <a:ext uri="{FF2B5EF4-FFF2-40B4-BE49-F238E27FC236}">
-                <a16:creationId xmlns:a16="http://schemas.microsoft.com/office/drawing/2014/main" id="{BAFE4C56-8702-D7EF-5BFA-5C6D8A942D7D}"/>
-              </a:ext>
-            </a:extLst>
-          </p:cNvPr>
-          <p:cNvCxnSpPr>
-            <a:cxnSpLocks/>
-          </p:cNvCxnSpPr>
-          <p:nvPr/>
-        </p:nvCxnSpPr>
-        <p:spPr>
-          <a:xfrm>
-            <a:off x="2885694" y="1043661"/>
-            <a:ext cx="389022" cy="0"/>
-          </a:xfrm>
-          <a:prstGeom prst="straightConnector1">
-            <a:avLst/>
-          </a:prstGeom>
-          <a:ln w="19050">
-            <a:headEnd type="none" w="med" len="med"/>
-            <a:tailEnd type="none" w="med" len="med"/>
-          </a:ln>
-        </p:spPr>
-        <p:style>
-          <a:lnRef idx="1">
-            <a:schemeClr val="accent1"/>
-          </a:lnRef>
-          <a:fillRef idx="0">
-            <a:schemeClr val="accent1"/>
-          </a:fillRef>
-          <a:effectRef idx="0">
-            <a:schemeClr val="accent1"/>
-          </a:effectRef>
-          <a:fontRef idx="minor">
-            <a:schemeClr val="tx1"/>
-          </a:fontRef>
-        </p:style>
-      </p:cxnSp>
-      <p:sp>
-        <p:nvSpPr>
-          <p:cNvPr id="5" name="Rectangle 4">
-            <a:extLst>
-              <a:ext uri="{FF2B5EF4-FFF2-40B4-BE49-F238E27FC236}">
-                <a16:creationId xmlns:a16="http://schemas.microsoft.com/office/drawing/2014/main" id="{A5DBAFF9-3B4F-D1FE-E1EC-DB4636BFAC67}"/>
+                <a16:creationId xmlns:a16="http://schemas.microsoft.com/office/drawing/2014/main" id="{5EC6D9C3-73B0-208B-ABC9-178C6DD0D22B}"/>
               </a:ext>
             </a:extLst>
           </p:cNvPr>
@@ -4180,8 +4215,8 @@
         </p:nvSpPr>
         <p:spPr>
           <a:xfrm>
-            <a:off x="3232546" y="349703"/>
-            <a:ext cx="1066800" cy="685115"/>
+            <a:off x="1186195" y="1129730"/>
+            <a:ext cx="1319674" cy="628496"/>
           </a:xfrm>
           <a:prstGeom prst="rect">
             <a:avLst/>
@@ -4213,34 +4248,62 @@
           <a:p>
             <a:pPr algn="ctr"/>
             <a:r>
-              <a:rPr lang="en-CA" sz="1050" dirty="0">
+              <a:rPr lang="en-US" sz="1050" dirty="0">
                 <a:solidFill>
                   <a:schemeClr val="tx1"/>
                 </a:solidFill>
                 <a:latin typeface="Arial" pitchFamily="34" charset="0"/>
                 <a:cs typeface="Arial" pitchFamily="34" charset="0"/>
               </a:rPr>
-              <a:t>Assemble</a:t>
-            </a:r>
-            <a:br>
-              <a:rPr lang="en-CA" sz="1050" dirty="0">
+              <a:t>Expand </a:t>
+            </a:r>
+            <a:r>
+              <a:rPr lang="en-US" sz="1050" b="1" dirty="0">
                 <a:solidFill>
                   <a:schemeClr val="tx1"/>
                 </a:solidFill>
                 <a:latin typeface="Arial" pitchFamily="34" charset="0"/>
                 <a:cs typeface="Arial" pitchFamily="34" charset="0"/>
               </a:rPr>
-            </a:br>
-            <a:r>
-              <a:rPr lang="en-CA" sz="1050" b="1" dirty="0">
+              <a:t>ValueSet</a:t>
+            </a:r>
+            <a:r>
+              <a:rPr lang="en-US" sz="1050" dirty="0">
                 <a:solidFill>
                   <a:schemeClr val="tx1"/>
                 </a:solidFill>
                 <a:latin typeface="Arial" pitchFamily="34" charset="0"/>
                 <a:cs typeface="Arial" pitchFamily="34" charset="0"/>
               </a:rPr>
-              <a:t>QuestionnaireResponse</a:t>
-            </a:r>
+              <a:t>,</a:t>
+            </a:r>
+            <a:endParaRPr lang="en-US" sz="1050" b="1" dirty="0">
+              <a:solidFill>
+                <a:schemeClr val="tx1"/>
+              </a:solidFill>
+              <a:latin typeface="Arial" pitchFamily="34" charset="0"/>
+              <a:cs typeface="Arial" pitchFamily="34" charset="0"/>
+            </a:endParaRPr>
+          </a:p>
+          <a:p>
+            <a:pPr algn="ctr"/>
+            <a:r>
+              <a:rPr lang="en-US" sz="1050" dirty="0">
+                <a:solidFill>
+                  <a:schemeClr val="tx1"/>
+                </a:solidFill>
+                <a:latin typeface="Arial" pitchFamily="34" charset="0"/>
+                <a:cs typeface="Arial" pitchFamily="34" charset="0"/>
+              </a:rPr>
+              <a:t>Validate code</a:t>
+            </a:r>
+            <a:endParaRPr lang="en-CA" sz="1050" dirty="0">
+              <a:solidFill>
+                <a:schemeClr val="tx1"/>
+              </a:solidFill>
+              <a:latin typeface="Arial" pitchFamily="34" charset="0"/>
+              <a:cs typeface="Arial" pitchFamily="34" charset="0"/>
+            </a:endParaRPr>
           </a:p>
         </p:txBody>
       </p:sp>
@@ -4538,6 +4601,21 @@
 </file>
 
 <file path=customXml/item1.xml><?xml version="1.0" encoding="utf-8"?>
+<p:properties xmlns:p="http://schemas.microsoft.com/office/2006/metadata/properties" xmlns:xsi="http://www.w3.org/2001/XMLSchema-instance">
+  <documentManagement/>
+</p:properties>
+</file>
+
+<file path=customXml/item2.xml><?xml version="1.0" encoding="utf-8"?>
+<?mso-contentType ?>
+<FormTemplates xmlns="http://schemas.microsoft.com/sharepoint/v3/contenttype/forms">
+  <Display>DocumentLibraryForm</Display>
+  <Edit>DocumentLibraryForm</Edit>
+  <New>DocumentLibraryForm</New>
+</FormTemplates>
+</file>
+
+<file path=customXml/item3.xml><?xml version="1.0" encoding="utf-8"?>
 <ct:contentTypeSchema xmlns:ct="http://schemas.microsoft.com/office/2006/metadata/contentType" xmlns:ma="http://schemas.microsoft.com/office/2006/metadata/properties/metaAttributes" ct:_="" ma:_="" ma:contentTypeName="Document" ma:contentTypeID="0x010100D3F5E47D23D84240B5F10B8B4F54293E" ma:contentTypeVersion="0" ma:contentTypeDescription="Create a new document." ma:contentTypeScope="" ma:versionID="0ea3c98e082845983187a016ca212b05">
   <xsd:schema xmlns:xsd="http://www.w3.org/2001/XMLSchema" xmlns:p="http://schemas.microsoft.com/office/2006/metadata/properties" targetNamespace="http://schemas.microsoft.com/office/2006/metadata/properties" ma:root="true" ma:fieldsID="4aeb20c0e3442673af7ee10786458764">
     <xsd:element name="properties">
@@ -4586,37 +4664,7 @@
 </ct:contentTypeSchema>
 </file>
 
-<file path=customXml/item2.xml><?xml version="1.0" encoding="utf-8"?>
-<p:properties xmlns:p="http://schemas.microsoft.com/office/2006/metadata/properties" xmlns:xsi="http://www.w3.org/2001/XMLSchema-instance">
-  <documentManagement/>
-</p:properties>
-</file>
-
-<file path=customXml/item3.xml><?xml version="1.0" encoding="utf-8"?>
-<?mso-contentType ?>
-<FormTemplates xmlns="http://schemas.microsoft.com/sharepoint/v3/contenttype/forms">
-  <Display>DocumentLibraryForm</Display>
-  <Edit>DocumentLibraryForm</Edit>
-  <New>DocumentLibraryForm</New>
-</FormTemplates>
-</file>
-
 <file path=customXml/itemProps1.xml><?xml version="1.0" encoding="utf-8"?>
-<ds:datastoreItem xmlns:ds="http://schemas.openxmlformats.org/officeDocument/2006/customXml" ds:itemID="{969BE3E0-39C5-46BC-ADE4-928A3D4AA066}">
-  <ds:schemaRefs>
-    <ds:schemaRef ds:uri="http://schemas.microsoft.com/office/2006/metadata/contentType"/>
-    <ds:schemaRef ds:uri="http://schemas.microsoft.com/office/2006/metadata/properties/metaAttributes"/>
-    <ds:schemaRef ds:uri="http://www.w3.org/2001/XMLSchema"/>
-    <ds:schemaRef ds:uri="http://schemas.microsoft.com/office/2006/metadata/properties"/>
-    <ds:schemaRef ds:uri="http://schemas.openxmlformats.org/package/2006/metadata/core-properties"/>
-    <ds:schemaRef ds:uri="http://purl.org/dc/elements/1.1/"/>
-    <ds:schemaRef ds:uri="http://purl.org/dc/terms/"/>
-    <ds:schemaRef ds:uri="http://schemas.microsoft.com/office/internal/2005/internalDocumentation"/>
-  </ds:schemaRefs>
-</ds:datastoreItem>
-</file>
-
-<file path=customXml/itemProps2.xml><?xml version="1.0" encoding="utf-8"?>
 <ds:datastoreItem xmlns:ds="http://schemas.openxmlformats.org/officeDocument/2006/customXml" ds:itemID="{AA05AFCB-176E-411D-8F54-3F7328DC8DF9}">
   <ds:schemaRefs>
     <ds:schemaRef ds:uri="http://purl.org/dc/dcmitype/"/>
@@ -4630,10 +4678,25 @@
 </ds:datastoreItem>
 </file>
 
-<file path=customXml/itemProps3.xml><?xml version="1.0" encoding="utf-8"?>
+<file path=customXml/itemProps2.xml><?xml version="1.0" encoding="utf-8"?>
 <ds:datastoreItem xmlns:ds="http://schemas.openxmlformats.org/officeDocument/2006/customXml" ds:itemID="{93867DCD-913B-4BE7-B218-6A941DDB47CC}">
   <ds:schemaRefs>
     <ds:schemaRef ds:uri="http://schemas.microsoft.com/sharepoint/v3/contenttype/forms"/>
   </ds:schemaRefs>
 </ds:datastoreItem>
+</file>
+
+<file path=customXml/itemProps3.xml><?xml version="1.0" encoding="utf-8"?>
+<ds:datastoreItem xmlns:ds="http://schemas.openxmlformats.org/officeDocument/2006/customXml" ds:itemID="{969BE3E0-39C5-46BC-ADE4-928A3D4AA066}">
+  <ds:schemaRefs>
+    <ds:schemaRef ds:uri="http://schemas.microsoft.com/office/2006/metadata/contentType"/>
+    <ds:schemaRef ds:uri="http://schemas.microsoft.com/office/2006/metadata/properties/metaAttributes"/>
+    <ds:schemaRef ds:uri="http://www.w3.org/2001/XMLSchema"/>
+    <ds:schemaRef ds:uri="http://schemas.microsoft.com/office/2006/metadata/properties"/>
+    <ds:schemaRef ds:uri="http://schemas.openxmlformats.org/package/2006/metadata/core-properties"/>
+    <ds:schemaRef ds:uri="http://purl.org/dc/elements/1.1/"/>
+    <ds:schemaRef ds:uri="http://purl.org/dc/terms/"/>
+    <ds:schemaRef ds:uri="http://schemas.microsoft.com/office/internal/2005/internalDocumentation"/>
+  </ds:schemaRefs>
+</ds:datastoreItem>
 </file>